--- a/assets/share/campusos-workshop-2022-06-21/CampusOS_Satelliten-Workshop_2022 - Block 5u6_MAVERIC.pptx
+++ b/assets/share/campusos-workshop-2022-06-21/CampusOS_Satelliten-Workshop_2022 - Block 5u6_MAVERIC.pptx
@@ -15626,7 +15626,7 @@
           <a:p>
             <a:r>
               <a:rPr lang="de-DE" dirty="0"/>
-              <a:t>Leitfrage 6 - Template</a:t>
+              <a:t>Leitfrage 6 </a:t>
             </a:r>
           </a:p>
         </p:txBody>
@@ -15689,7 +15689,7 @@
             <a:pPr lvl="1"/>
             <a:r>
               <a:rPr lang="de-DE" dirty="0"/>
-              <a:t>TBD</a:t>
+              <a:t>5G-World</a:t>
             </a:r>
           </a:p>
           <a:p>
@@ -15947,6 +15947,66 @@
           </p:spPr>
         </p:pic>
       </p:grpSp>
+      <p:pic>
+        <p:nvPicPr>
+          <p:cNvPr id="14" name="Picture 13" descr="Graphical user interface, text, application, email&#10;&#10;Description automatically generated">
+            <a:extLst>
+              <a:ext uri="{FF2B5EF4-FFF2-40B4-BE49-F238E27FC236}">
+                <a16:creationId xmlns:a16="http://schemas.microsoft.com/office/drawing/2014/main" id="{DC0C9A32-5D3C-6DB7-1442-C5327B315145}"/>
+              </a:ext>
+            </a:extLst>
+          </p:cNvPr>
+          <p:cNvPicPr>
+            <a:picLocks noChangeAspect="1"/>
+          </p:cNvPicPr>
+          <p:nvPr/>
+        </p:nvPicPr>
+        <p:blipFill>
+          <a:blip r:embed="rId4"/>
+          <a:stretch>
+            <a:fillRect/>
+          </a:stretch>
+        </p:blipFill>
+        <p:spPr>
+          <a:xfrm>
+            <a:off x="7538919" y="1520360"/>
+            <a:ext cx="4114799" cy="4703734"/>
+          </a:xfrm>
+          <a:prstGeom prst="rect">
+            <a:avLst/>
+          </a:prstGeom>
+        </p:spPr>
+      </p:pic>
+      <p:pic>
+        <p:nvPicPr>
+          <p:cNvPr id="12" name="Picture 11" descr="Chart&#10;&#10;Description automatically generated with medium confidence">
+            <a:extLst>
+              <a:ext uri="{FF2B5EF4-FFF2-40B4-BE49-F238E27FC236}">
+                <a16:creationId xmlns:a16="http://schemas.microsoft.com/office/drawing/2014/main" id="{DDE7DA22-D7A5-584D-24CB-6F3C252170C0}"/>
+              </a:ext>
+            </a:extLst>
+          </p:cNvPr>
+          <p:cNvPicPr>
+            <a:picLocks noChangeAspect="1"/>
+          </p:cNvPicPr>
+          <p:nvPr/>
+        </p:nvPicPr>
+        <p:blipFill>
+          <a:blip r:embed="rId5"/>
+          <a:stretch>
+            <a:fillRect/>
+          </a:stretch>
+        </p:blipFill>
+        <p:spPr>
+          <a:xfrm>
+            <a:off x="3711665" y="1687722"/>
+            <a:ext cx="3716746" cy="1245612"/>
+          </a:xfrm>
+          <a:prstGeom prst="rect">
+            <a:avLst/>
+          </a:prstGeom>
+        </p:spPr>
+      </p:pic>
     </p:spTree>
     <p:extLst>
       <p:ext uri="{BB962C8B-B14F-4D97-AF65-F5344CB8AC3E}">

--- a/assets/share/campusos-workshop-2022-06-21/CampusOS_Satelliten-Workshop_2022 - Block 5u6_MAVERIC.pptx
+++ b/assets/share/campusos-workshop-2022-06-21/CampusOS_Satelliten-Workshop_2022 - Block 5u6_MAVERIC.pptx
@@ -15803,7 +15803,7 @@
               <a:rPr lang="de-DE" b="1" dirty="0">
                 <a:cs typeface="Calibri" panose="020F0502020204030204" pitchFamily="34" charset="0"/>
               </a:rPr>
-              <a:t> // Kutscher // MAVERIC</a:t>
+              <a:t> // Dieter Kluger // MAVERIC</a:t>
             </a:r>
             <a:endParaRPr lang="de-DE" dirty="0">
               <a:latin typeface="Calibri Light" panose="020F0302020204030204" pitchFamily="34" charset="0"/>
